--- a/slides/07_model_evaluation_and_metrics.pptx
+++ b/slides/07_model_evaluation_and_metrics.pptx
@@ -5,21 +5,22 @@
     <p:sldMasterId id="2147483648" r:id="rId1"/>
   </p:sldMasterIdLst>
   <p:notesMasterIdLst>
-    <p:notesMasterId r:id="rId14"/>
+    <p:notesMasterId r:id="rId15"/>
   </p:notesMasterIdLst>
   <p:sldIdLst>
     <p:sldId id="256" r:id="rId2"/>
     <p:sldId id="257" r:id="rId3"/>
-    <p:sldId id="502" r:id="rId4"/>
-    <p:sldId id="507" r:id="rId5"/>
-    <p:sldId id="482" r:id="rId6"/>
-    <p:sldId id="505" r:id="rId7"/>
-    <p:sldId id="511" r:id="rId8"/>
-    <p:sldId id="483" r:id="rId9"/>
-    <p:sldId id="498" r:id="rId10"/>
-    <p:sldId id="508" r:id="rId11"/>
-    <p:sldId id="512" r:id="rId12"/>
-    <p:sldId id="510" r:id="rId13"/>
+    <p:sldId id="677" r:id="rId4"/>
+    <p:sldId id="502" r:id="rId5"/>
+    <p:sldId id="507" r:id="rId6"/>
+    <p:sldId id="482" r:id="rId7"/>
+    <p:sldId id="505" r:id="rId8"/>
+    <p:sldId id="511" r:id="rId9"/>
+    <p:sldId id="483" r:id="rId10"/>
+    <p:sldId id="498" r:id="rId11"/>
+    <p:sldId id="508" r:id="rId12"/>
+    <p:sldId id="512" r:id="rId13"/>
+    <p:sldId id="510" r:id="rId14"/>
   </p:sldIdLst>
   <p:sldSz cx="12192000" cy="6858000"/>
   <p:notesSz cx="6858000" cy="9144000"/>
@@ -342,7 +343,7 @@
           <a:p>
             <a:fld id="{3DB912AD-EA73-9140-98FC-984EB544AB7A}" type="datetimeFigureOut">
               <a:rPr lang="en-US" smtClean="0"/>
-              <a:t>8/5/18</a:t>
+              <a:t>9/29/18</a:t>
             </a:fld>
             <a:endParaRPr lang="en-US"/>
           </a:p>
@@ -697,7 +698,7 @@
           <a:p>
             <a:fld id="{ADD4B5B7-85EF-4E48-AC80-2380FACD9C23}" type="slidenum">
               <a:rPr lang="en-US" smtClean="0"/>
-              <a:t>3</a:t>
+              <a:t>4</a:t>
             </a:fld>
             <a:endParaRPr lang="en-US"/>
           </a:p>
@@ -804,7 +805,7 @@
           <a:p>
             <a:fld id="{ADD4B5B7-85EF-4E48-AC80-2380FACD9C23}" type="slidenum">
               <a:rPr lang="en-US" smtClean="0"/>
-              <a:t>12</a:t>
+              <a:t>13</a:t>
             </a:fld>
             <a:endParaRPr lang="en-US"/>
           </a:p>
@@ -911,7 +912,7 @@
           <a:p>
             <a:fld id="{ADD4B5B7-85EF-4E48-AC80-2380FACD9C23}" type="slidenum">
               <a:rPr lang="en-US" smtClean="0"/>
-              <a:t>4</a:t>
+              <a:t>5</a:t>
             </a:fld>
             <a:endParaRPr lang="en-US"/>
           </a:p>
@@ -1018,7 +1019,7 @@
           <a:p>
             <a:fld id="{ADD4B5B7-85EF-4E48-AC80-2380FACD9C23}" type="slidenum">
               <a:rPr lang="en-US" smtClean="0"/>
-              <a:t>5</a:t>
+              <a:t>6</a:t>
             </a:fld>
             <a:endParaRPr lang="en-US"/>
           </a:p>
@@ -1125,7 +1126,7 @@
           <a:p>
             <a:fld id="{ADD4B5B7-85EF-4E48-AC80-2380FACD9C23}" type="slidenum">
               <a:rPr lang="en-US" smtClean="0"/>
-              <a:t>6</a:t>
+              <a:t>7</a:t>
             </a:fld>
             <a:endParaRPr lang="en-US"/>
           </a:p>
@@ -1232,7 +1233,7 @@
           <a:p>
             <a:fld id="{ADD4B5B7-85EF-4E48-AC80-2380FACD9C23}" type="slidenum">
               <a:rPr lang="en-US" smtClean="0"/>
-              <a:t>7</a:t>
+              <a:t>8</a:t>
             </a:fld>
             <a:endParaRPr lang="en-US"/>
           </a:p>
@@ -1339,7 +1340,7 @@
           <a:p>
             <a:fld id="{ADD4B5B7-85EF-4E48-AC80-2380FACD9C23}" type="slidenum">
               <a:rPr lang="en-US" smtClean="0"/>
-              <a:t>8</a:t>
+              <a:t>9</a:t>
             </a:fld>
             <a:endParaRPr lang="en-US"/>
           </a:p>
@@ -1446,7 +1447,7 @@
           <a:p>
             <a:fld id="{ADD4B5B7-85EF-4E48-AC80-2380FACD9C23}" type="slidenum">
               <a:rPr lang="en-US" smtClean="0"/>
-              <a:t>9</a:t>
+              <a:t>10</a:t>
             </a:fld>
             <a:endParaRPr lang="en-US"/>
           </a:p>
@@ -1553,7 +1554,7 @@
           <a:p>
             <a:fld id="{ADD4B5B7-85EF-4E48-AC80-2380FACD9C23}" type="slidenum">
               <a:rPr lang="en-US" smtClean="0"/>
-              <a:t>10</a:t>
+              <a:t>11</a:t>
             </a:fld>
             <a:endParaRPr lang="en-US"/>
           </a:p>
@@ -1660,7 +1661,7 @@
           <a:p>
             <a:fld id="{ADD4B5B7-85EF-4E48-AC80-2380FACD9C23}" type="slidenum">
               <a:rPr lang="en-US" smtClean="0"/>
-              <a:t>11</a:t>
+              <a:t>12</a:t>
             </a:fld>
             <a:endParaRPr lang="en-US"/>
           </a:p>
@@ -1826,7 +1827,7 @@
           <a:p>
             <a:fld id="{02CE11C6-247B-0242-8651-D958C13D6FF0}" type="datetimeFigureOut">
               <a:rPr lang="en-US" smtClean="0"/>
-              <a:t>8/5/18</a:t>
+              <a:t>9/29/18</a:t>
             </a:fld>
             <a:endParaRPr lang="en-US"/>
           </a:p>
@@ -2054,7 +2055,7 @@
           <a:p>
             <a:fld id="{02CE11C6-247B-0242-8651-D958C13D6FF0}" type="datetimeFigureOut">
               <a:rPr lang="en-US" smtClean="0"/>
-              <a:t>8/5/18</a:t>
+              <a:t>9/29/18</a:t>
             </a:fld>
             <a:endParaRPr lang="en-US"/>
           </a:p>
@@ -2262,7 +2263,7 @@
           <a:p>
             <a:fld id="{02CE11C6-247B-0242-8651-D958C13D6FF0}" type="datetimeFigureOut">
               <a:rPr lang="en-US" smtClean="0"/>
-              <a:t>8/5/18</a:t>
+              <a:t>9/29/18</a:t>
             </a:fld>
             <a:endParaRPr lang="en-US"/>
           </a:p>
@@ -2727,7 +2728,7 @@
           <a:p>
             <a:fld id="{02CE11C6-247B-0242-8651-D958C13D6FF0}" type="datetimeFigureOut">
               <a:rPr lang="en-US" smtClean="0"/>
-              <a:t>8/5/18</a:t>
+              <a:t>9/29/18</a:t>
             </a:fld>
             <a:endParaRPr lang="en-US"/>
           </a:p>
@@ -3002,7 +3003,7 @@
           <a:p>
             <a:fld id="{02CE11C6-247B-0242-8651-D958C13D6FF0}" type="datetimeFigureOut">
               <a:rPr lang="en-US" smtClean="0"/>
-              <a:t>8/5/18</a:t>
+              <a:t>9/29/18</a:t>
             </a:fld>
             <a:endParaRPr lang="en-US"/>
           </a:p>
@@ -3267,7 +3268,7 @@
           <a:p>
             <a:fld id="{02CE11C6-247B-0242-8651-D958C13D6FF0}" type="datetimeFigureOut">
               <a:rPr lang="en-US" smtClean="0"/>
-              <a:t>8/5/18</a:t>
+              <a:t>9/29/18</a:t>
             </a:fld>
             <a:endParaRPr lang="en-US"/>
           </a:p>
@@ -3679,7 +3680,7 @@
           <a:p>
             <a:fld id="{02CE11C6-247B-0242-8651-D958C13D6FF0}" type="datetimeFigureOut">
               <a:rPr lang="en-US" smtClean="0"/>
-              <a:t>8/5/18</a:t>
+              <a:t>9/29/18</a:t>
             </a:fld>
             <a:endParaRPr lang="en-US"/>
           </a:p>
@@ -3820,7 +3821,7 @@
           <a:p>
             <a:fld id="{02CE11C6-247B-0242-8651-D958C13D6FF0}" type="datetimeFigureOut">
               <a:rPr lang="en-US" smtClean="0"/>
-              <a:t>8/5/18</a:t>
+              <a:t>9/29/18</a:t>
             </a:fld>
             <a:endParaRPr lang="en-US"/>
           </a:p>
@@ -3933,7 +3934,7 @@
           <a:p>
             <a:fld id="{02CE11C6-247B-0242-8651-D958C13D6FF0}" type="datetimeFigureOut">
               <a:rPr lang="en-US" smtClean="0"/>
-              <a:t>8/5/18</a:t>
+              <a:t>9/29/18</a:t>
             </a:fld>
             <a:endParaRPr lang="en-US"/>
           </a:p>
@@ -4244,7 +4245,7 @@
           <a:p>
             <a:fld id="{02CE11C6-247B-0242-8651-D958C13D6FF0}" type="datetimeFigureOut">
               <a:rPr lang="en-US" smtClean="0"/>
-              <a:t>8/5/18</a:t>
+              <a:t>9/29/18</a:t>
             </a:fld>
             <a:endParaRPr lang="en-US"/>
           </a:p>
@@ -4532,7 +4533,7 @@
           <a:p>
             <a:fld id="{02CE11C6-247B-0242-8651-D958C13D6FF0}" type="datetimeFigureOut">
               <a:rPr lang="en-US" smtClean="0"/>
-              <a:t>8/5/18</a:t>
+              <a:t>9/29/18</a:t>
             </a:fld>
             <a:endParaRPr lang="en-US"/>
           </a:p>
@@ -4773,7 +4774,7 @@
           <a:p>
             <a:fld id="{02CE11C6-247B-0242-8651-D958C13D6FF0}" type="datetimeFigureOut">
               <a:rPr lang="en-US" smtClean="0"/>
-              <a:t>8/5/18</a:t>
+              <a:t>9/29/18</a:t>
             </a:fld>
             <a:endParaRPr lang="en-US"/>
           </a:p>
@@ -5285,6 +5286,707 @@
         </p:nvSpPr>
         <p:spPr>
           <a:xfrm>
+            <a:off x="7584342" y="1246100"/>
+            <a:ext cx="1984456" cy="461665"/>
+          </a:xfrm>
+          <a:prstGeom prst="rect">
+            <a:avLst/>
+          </a:prstGeom>
+          <a:noFill/>
+        </p:spPr>
+        <p:txBody>
+          <a:bodyPr wrap="square" rtlCol="0">
+            <a:spAutoFit/>
+          </a:bodyPr>
+          <a:lstStyle/>
+          <a:p>
+            <a:pPr algn="l"/>
+            <a:r>
+              <a:rPr lang="en-US" sz="2400" dirty="0">
+                <a:latin typeface="PFDinTextCompPro-Italic"/>
+                <a:cs typeface="PFDinTextCompPro-Italic"/>
+              </a:rPr>
+              <a:t>ROC Curve</a:t>
+            </a:r>
+          </a:p>
+        </p:txBody>
+      </p:sp>
+      <p:sp>
+        <p:nvSpPr>
+          <p:cNvPr id="8" name="Slide Number Placeholder 3"/>
+          <p:cNvSpPr>
+            <a:spLocks noGrp="1"/>
+          </p:cNvSpPr>
+          <p:nvPr>
+            <p:ph type="sldNum" sz="quarter" idx="13"/>
+          </p:nvPr>
+        </p:nvSpPr>
+        <p:spPr/>
+        <p:txBody>
+          <a:bodyPr/>
+          <a:lstStyle/>
+          <a:p>
+            <a:pPr>
+              <a:defRPr/>
+            </a:pPr>
+            <a:fld id="{BD5AD749-DAD1-6A4A-A2AA-CB20EAD0AEB7}" type="slidenum">
+              <a:rPr lang="en-US"/>
+              <a:pPr>
+                <a:defRPr/>
+              </a:pPr>
+              <a:t>10</a:t>
+            </a:fld>
+            <a:endParaRPr lang="en-US"/>
+          </a:p>
+        </p:txBody>
+      </p:sp>
+      <p:graphicFrame>
+        <p:nvGraphicFramePr>
+          <p:cNvPr id="2" name="Table 1"/>
+          <p:cNvGraphicFramePr>
+            <a:graphicFrameLocks noGrp="1"/>
+          </p:cNvGraphicFramePr>
+          <p:nvPr>
+            <p:extLst>
+              <p:ext uri="{D42A27DB-BD31-4B8C-83A1-F6EECF244321}">
+                <p14:modId xmlns:p14="http://schemas.microsoft.com/office/powerpoint/2010/main" val="337084388"/>
+              </p:ext>
+            </p:extLst>
+          </p:nvPr>
+        </p:nvGraphicFramePr>
+        <p:xfrm>
+          <a:off x="488516" y="1642990"/>
+          <a:ext cx="3916566" cy="5053745"/>
+        </p:xfrm>
+        <a:graphic>
+          <a:graphicData uri="http://schemas.openxmlformats.org/drawingml/2006/table">
+            <a:tbl>
+              <a:tblPr firstRow="1" bandRow="1">
+                <a:tableStyleId>{5C22544A-7EE6-4342-B048-85BDC9FD1C3A}</a:tableStyleId>
+              </a:tblPr>
+              <a:tblGrid>
+                <a:gridCol w="1305522">
+                  <a:extLst>
+                    <a:ext uri="{9D8B030D-6E8A-4147-A177-3AD203B41FA5}">
+                      <a16:colId xmlns:a16="http://schemas.microsoft.com/office/drawing/2014/main" val="20000"/>
+                    </a:ext>
+                  </a:extLst>
+                </a:gridCol>
+                <a:gridCol w="1305522">
+                  <a:extLst>
+                    <a:ext uri="{9D8B030D-6E8A-4147-A177-3AD203B41FA5}">
+                      <a16:colId xmlns:a16="http://schemas.microsoft.com/office/drawing/2014/main" val="20001"/>
+                    </a:ext>
+                  </a:extLst>
+                </a:gridCol>
+                <a:gridCol w="1305522">
+                  <a:extLst>
+                    <a:ext uri="{9D8B030D-6E8A-4147-A177-3AD203B41FA5}">
+                      <a16:colId xmlns:a16="http://schemas.microsoft.com/office/drawing/2014/main" val="20002"/>
+                    </a:ext>
+                  </a:extLst>
+                </a:gridCol>
+              </a:tblGrid>
+              <a:tr h="1190673">
+                <a:tc>
+                  <a:txBody>
+                    <a:bodyPr/>
+                    <a:lstStyle/>
+                    <a:p>
+                      <a:r>
+                        <a:rPr lang="en-US" sz="2300" dirty="0"/>
+                        <a:t>Email Number</a:t>
+                      </a:r>
+                    </a:p>
+                  </a:txBody>
+                  <a:tcPr marL="119067" marR="119067" marT="59534" marB="59534"/>
+                </a:tc>
+                <a:tc>
+                  <a:txBody>
+                    <a:bodyPr/>
+                    <a:lstStyle/>
+                    <a:p>
+                      <a:r>
+                        <a:rPr lang="en-US" sz="2300" dirty="0"/>
+                        <a:t>Score</a:t>
+                      </a:r>
+                    </a:p>
+                  </a:txBody>
+                  <a:tcPr marL="119067" marR="119067" marT="59534" marB="59534"/>
+                </a:tc>
+                <a:tc>
+                  <a:txBody>
+                    <a:bodyPr/>
+                    <a:lstStyle/>
+                    <a:p>
+                      <a:r>
+                        <a:rPr lang="en-US" sz="2300" dirty="0"/>
+                        <a:t>True Label</a:t>
+                      </a:r>
+                    </a:p>
+                  </a:txBody>
+                  <a:tcPr marL="119067" marR="119067" marT="59534" marB="59534"/>
+                </a:tc>
+                <a:extLst>
+                  <a:ext uri="{0D108BD9-81ED-4DB2-BD59-A6C34878D82A}">
+                    <a16:rowId xmlns:a16="http://schemas.microsoft.com/office/drawing/2014/main" val="10000"/>
+                  </a:ext>
+                </a:extLst>
+              </a:tr>
+              <a:tr h="482884">
+                <a:tc>
+                  <a:txBody>
+                    <a:bodyPr/>
+                    <a:lstStyle/>
+                    <a:p>
+                      <a:r>
+                        <a:rPr lang="en-US" sz="2300" dirty="0"/>
+                        <a:t>5</a:t>
+                      </a:r>
+                    </a:p>
+                  </a:txBody>
+                  <a:tcPr marL="119067" marR="119067" marT="59534" marB="59534"/>
+                </a:tc>
+                <a:tc>
+                  <a:txBody>
+                    <a:bodyPr/>
+                    <a:lstStyle/>
+                    <a:p>
+                      <a:r>
+                        <a:rPr lang="en-US" sz="2300"/>
+                        <a:t>0.99</a:t>
+                      </a:r>
+                      <a:endParaRPr lang="en-US" sz="2300" dirty="0"/>
+                    </a:p>
+                  </a:txBody>
+                  <a:tcPr marL="119067" marR="119067" marT="59534" marB="59534"/>
+                </a:tc>
+                <a:tc>
+                  <a:txBody>
+                    <a:bodyPr/>
+                    <a:lstStyle/>
+                    <a:p>
+                      <a:r>
+                        <a:rPr lang="en-US" sz="2300" dirty="0"/>
+                        <a:t>Spam</a:t>
+                      </a:r>
+                    </a:p>
+                  </a:txBody>
+                  <a:tcPr marL="119067" marR="119067" marT="59534" marB="59534"/>
+                </a:tc>
+                <a:extLst>
+                  <a:ext uri="{0D108BD9-81ED-4DB2-BD59-A6C34878D82A}">
+                    <a16:rowId xmlns:a16="http://schemas.microsoft.com/office/drawing/2014/main" val="10001"/>
+                  </a:ext>
+                </a:extLst>
+              </a:tr>
+              <a:tr h="482884">
+                <a:tc>
+                  <a:txBody>
+                    <a:bodyPr/>
+                    <a:lstStyle/>
+                    <a:p>
+                      <a:r>
+                        <a:rPr lang="en-US" sz="2300" dirty="0"/>
+                        <a:t>8</a:t>
+                      </a:r>
+                    </a:p>
+                  </a:txBody>
+                  <a:tcPr marL="119067" marR="119067" marT="59534" marB="59534"/>
+                </a:tc>
+                <a:tc>
+                  <a:txBody>
+                    <a:bodyPr/>
+                    <a:lstStyle/>
+                    <a:p>
+                      <a:r>
+                        <a:rPr lang="en-US" sz="2300"/>
+                        <a:t>0.82</a:t>
+                      </a:r>
+                      <a:endParaRPr lang="en-US" sz="2300" dirty="0"/>
+                    </a:p>
+                  </a:txBody>
+                  <a:tcPr marL="119067" marR="119067" marT="59534" marB="59534"/>
+                </a:tc>
+                <a:tc>
+                  <a:txBody>
+                    <a:bodyPr/>
+                    <a:lstStyle/>
+                    <a:p>
+                      <a:r>
+                        <a:rPr lang="en-US" sz="2300" dirty="0"/>
+                        <a:t>Spam</a:t>
+                      </a:r>
+                    </a:p>
+                  </a:txBody>
+                  <a:tcPr marL="119067" marR="119067" marT="59534" marB="59534"/>
+                </a:tc>
+                <a:extLst>
+                  <a:ext uri="{0D108BD9-81ED-4DB2-BD59-A6C34878D82A}">
+                    <a16:rowId xmlns:a16="http://schemas.microsoft.com/office/drawing/2014/main" val="10002"/>
+                  </a:ext>
+                </a:extLst>
+              </a:tr>
+              <a:tr h="482884">
+                <a:tc>
+                  <a:txBody>
+                    <a:bodyPr/>
+                    <a:lstStyle/>
+                    <a:p>
+                      <a:r>
+                        <a:rPr lang="en-US" sz="2300" dirty="0"/>
+                        <a:t>2</a:t>
+                      </a:r>
+                    </a:p>
+                  </a:txBody>
+                  <a:tcPr marL="119067" marR="119067" marT="59534" marB="59534"/>
+                </a:tc>
+                <a:tc>
+                  <a:txBody>
+                    <a:bodyPr/>
+                    <a:lstStyle/>
+                    <a:p>
+                      <a:r>
+                        <a:rPr lang="en-US" sz="2300"/>
+                        <a:t>0.60</a:t>
+                      </a:r>
+                      <a:endParaRPr lang="en-US" sz="2300" dirty="0"/>
+                    </a:p>
+                  </a:txBody>
+                  <a:tcPr marL="119067" marR="119067" marT="59534" marB="59534"/>
+                </a:tc>
+                <a:tc>
+                  <a:txBody>
+                    <a:bodyPr/>
+                    <a:lstStyle/>
+                    <a:p>
+                      <a:r>
+                        <a:rPr lang="en-US" sz="2300" dirty="0"/>
+                        <a:t>Spam</a:t>
+                      </a:r>
+                    </a:p>
+                  </a:txBody>
+                  <a:tcPr marL="119067" marR="119067" marT="59534" marB="59534"/>
+                </a:tc>
+                <a:extLst>
+                  <a:ext uri="{0D108BD9-81ED-4DB2-BD59-A6C34878D82A}">
+                    <a16:rowId xmlns:a16="http://schemas.microsoft.com/office/drawing/2014/main" val="10003"/>
+                  </a:ext>
+                </a:extLst>
+              </a:tr>
+              <a:tr h="482884">
+                <a:tc>
+                  <a:txBody>
+                    <a:bodyPr/>
+                    <a:lstStyle/>
+                    <a:p>
+                      <a:r>
+                        <a:rPr lang="en-US" sz="2300" dirty="0"/>
+                        <a:t>1</a:t>
+                      </a:r>
+                    </a:p>
+                  </a:txBody>
+                  <a:tcPr marL="119067" marR="119067" marT="59534" marB="59534"/>
+                </a:tc>
+                <a:tc>
+                  <a:txBody>
+                    <a:bodyPr/>
+                    <a:lstStyle/>
+                    <a:p>
+                      <a:r>
+                        <a:rPr lang="en-US" sz="2300"/>
+                        <a:t>0.60</a:t>
+                      </a:r>
+                      <a:endParaRPr lang="en-US" sz="2300" dirty="0"/>
+                    </a:p>
+                  </a:txBody>
+                  <a:tcPr marL="119067" marR="119067" marT="59534" marB="59534"/>
+                </a:tc>
+                <a:tc>
+                  <a:txBody>
+                    <a:bodyPr/>
+                    <a:lstStyle/>
+                    <a:p>
+                      <a:r>
+                        <a:rPr lang="en-US" sz="2300" dirty="0"/>
+                        <a:t>Ham</a:t>
+                      </a:r>
+                    </a:p>
+                  </a:txBody>
+                  <a:tcPr marL="119067" marR="119067" marT="59534" marB="59534"/>
+                </a:tc>
+                <a:extLst>
+                  <a:ext uri="{0D108BD9-81ED-4DB2-BD59-A6C34878D82A}">
+                    <a16:rowId xmlns:a16="http://schemas.microsoft.com/office/drawing/2014/main" val="10004"/>
+                  </a:ext>
+                </a:extLst>
+              </a:tr>
+              <a:tr h="482884">
+                <a:tc>
+                  <a:txBody>
+                    <a:bodyPr/>
+                    <a:lstStyle/>
+                    <a:p>
+                      <a:r>
+                        <a:rPr lang="en-US" sz="2300" dirty="0"/>
+                        <a:t>7</a:t>
+                      </a:r>
+                    </a:p>
+                  </a:txBody>
+                  <a:tcPr marL="119067" marR="119067" marT="59534" marB="59534"/>
+                </a:tc>
+                <a:tc>
+                  <a:txBody>
+                    <a:bodyPr/>
+                    <a:lstStyle/>
+                    <a:p>
+                      <a:r>
+                        <a:rPr lang="en-US" sz="2300"/>
+                        <a:t>0.48</a:t>
+                      </a:r>
+                      <a:endParaRPr lang="en-US" sz="2300" dirty="0"/>
+                    </a:p>
+                  </a:txBody>
+                  <a:tcPr marL="119067" marR="119067" marT="59534" marB="59534"/>
+                </a:tc>
+                <a:tc>
+                  <a:txBody>
+                    <a:bodyPr/>
+                    <a:lstStyle/>
+                    <a:p>
+                      <a:r>
+                        <a:rPr lang="en-US" sz="2300" dirty="0"/>
+                        <a:t>Spam</a:t>
+                      </a:r>
+                    </a:p>
+                  </a:txBody>
+                  <a:tcPr marL="119067" marR="119067" marT="59534" marB="59534"/>
+                </a:tc>
+                <a:extLst>
+                  <a:ext uri="{0D108BD9-81ED-4DB2-BD59-A6C34878D82A}">
+                    <a16:rowId xmlns:a16="http://schemas.microsoft.com/office/drawing/2014/main" val="10005"/>
+                  </a:ext>
+                </a:extLst>
+              </a:tr>
+              <a:tr h="482884">
+                <a:tc>
+                  <a:txBody>
+                    <a:bodyPr/>
+                    <a:lstStyle/>
+                    <a:p>
+                      <a:r>
+                        <a:rPr lang="en-US" sz="2300" dirty="0"/>
+                        <a:t>3</a:t>
+                      </a:r>
+                    </a:p>
+                  </a:txBody>
+                  <a:tcPr marL="119067" marR="119067" marT="59534" marB="59534"/>
+                </a:tc>
+                <a:tc>
+                  <a:txBody>
+                    <a:bodyPr/>
+                    <a:lstStyle/>
+                    <a:p>
+                      <a:r>
+                        <a:rPr lang="en-US" sz="2300" dirty="0"/>
+                        <a:t>0.22</a:t>
+                      </a:r>
+                    </a:p>
+                  </a:txBody>
+                  <a:tcPr marL="119067" marR="119067" marT="59534" marB="59534"/>
+                </a:tc>
+                <a:tc>
+                  <a:txBody>
+                    <a:bodyPr/>
+                    <a:lstStyle/>
+                    <a:p>
+                      <a:r>
+                        <a:rPr lang="en-US" sz="2300" dirty="0"/>
+                        <a:t>Ham</a:t>
+                      </a:r>
+                    </a:p>
+                  </a:txBody>
+                  <a:tcPr marL="119067" marR="119067" marT="59534" marB="59534"/>
+                </a:tc>
+                <a:extLst>
+                  <a:ext uri="{0D108BD9-81ED-4DB2-BD59-A6C34878D82A}">
+                    <a16:rowId xmlns:a16="http://schemas.microsoft.com/office/drawing/2014/main" val="10006"/>
+                  </a:ext>
+                </a:extLst>
+              </a:tr>
+              <a:tr h="482884">
+                <a:tc>
+                  <a:txBody>
+                    <a:bodyPr/>
+                    <a:lstStyle/>
+                    <a:p>
+                      <a:r>
+                        <a:rPr lang="en-US" sz="2300" dirty="0"/>
+                        <a:t>4</a:t>
+                      </a:r>
+                    </a:p>
+                  </a:txBody>
+                  <a:tcPr marL="119067" marR="119067" marT="59534" marB="59534"/>
+                </a:tc>
+                <a:tc>
+                  <a:txBody>
+                    <a:bodyPr/>
+                    <a:lstStyle/>
+                    <a:p>
+                      <a:r>
+                        <a:rPr lang="en-US" sz="2300" dirty="0"/>
+                        <a:t>0.10</a:t>
+                      </a:r>
+                    </a:p>
+                  </a:txBody>
+                  <a:tcPr marL="119067" marR="119067" marT="59534" marB="59534"/>
+                </a:tc>
+                <a:tc>
+                  <a:txBody>
+                    <a:bodyPr/>
+                    <a:lstStyle/>
+                    <a:p>
+                      <a:r>
+                        <a:rPr lang="en-US" sz="2300" dirty="0"/>
+                        <a:t>Ham</a:t>
+                      </a:r>
+                    </a:p>
+                  </a:txBody>
+                  <a:tcPr marL="119067" marR="119067" marT="59534" marB="59534"/>
+                </a:tc>
+                <a:extLst>
+                  <a:ext uri="{0D108BD9-81ED-4DB2-BD59-A6C34878D82A}">
+                    <a16:rowId xmlns:a16="http://schemas.microsoft.com/office/drawing/2014/main" val="10007"/>
+                  </a:ext>
+                </a:extLst>
+              </a:tr>
+              <a:tr h="482884">
+                <a:tc>
+                  <a:txBody>
+                    <a:bodyPr/>
+                    <a:lstStyle/>
+                    <a:p>
+                      <a:r>
+                        <a:rPr lang="en-US" sz="2300" dirty="0"/>
+                        <a:t>6</a:t>
+                      </a:r>
+                    </a:p>
+                  </a:txBody>
+                  <a:tcPr marL="119067" marR="119067" marT="59534" marB="59534"/>
+                </a:tc>
+                <a:tc>
+                  <a:txBody>
+                    <a:bodyPr/>
+                    <a:lstStyle/>
+                    <a:p>
+                      <a:r>
+                        <a:rPr lang="en-US" sz="2300" dirty="0"/>
+                        <a:t>0.02</a:t>
+                      </a:r>
+                    </a:p>
+                  </a:txBody>
+                  <a:tcPr marL="119067" marR="119067" marT="59534" marB="59534"/>
+                </a:tc>
+                <a:tc>
+                  <a:txBody>
+                    <a:bodyPr/>
+                    <a:lstStyle/>
+                    <a:p>
+                      <a:r>
+                        <a:rPr lang="en-US" sz="2300" dirty="0"/>
+                        <a:t>Ham</a:t>
+                      </a:r>
+                    </a:p>
+                  </a:txBody>
+                  <a:tcPr marL="119067" marR="119067" marT="59534" marB="59534"/>
+                </a:tc>
+                <a:extLst>
+                  <a:ext uri="{0D108BD9-81ED-4DB2-BD59-A6C34878D82A}">
+                    <a16:rowId xmlns:a16="http://schemas.microsoft.com/office/drawing/2014/main" val="10008"/>
+                  </a:ext>
+                </a:extLst>
+              </a:tr>
+            </a:tbl>
+          </a:graphicData>
+        </a:graphic>
+      </p:graphicFrame>
+      <p:graphicFrame>
+        <p:nvGraphicFramePr>
+          <p:cNvPr id="3" name="Chart 2"/>
+          <p:cNvGraphicFramePr/>
+          <p:nvPr>
+            <p:extLst/>
+          </p:nvPr>
+        </p:nvGraphicFramePr>
+        <p:xfrm>
+          <a:off x="5599887" y="1940659"/>
+          <a:ext cx="5556477" cy="4197675"/>
+        </p:xfrm>
+        <a:graphic>
+          <a:graphicData uri="http://schemas.openxmlformats.org/drawingml/2006/chart">
+            <c:chart xmlns:c="http://schemas.openxmlformats.org/drawingml/2006/chart" xmlns:r="http://schemas.openxmlformats.org/officeDocument/2006/relationships" r:id="rId3"/>
+          </a:graphicData>
+        </a:graphic>
+      </p:graphicFrame>
+      <p:sp>
+        <p:nvSpPr>
+          <p:cNvPr id="7" name="TextBox 6"/>
+          <p:cNvSpPr txBox="1"/>
+          <p:nvPr/>
+        </p:nvSpPr>
+        <p:spPr>
+          <a:xfrm>
+            <a:off x="8378124" y="6008793"/>
+            <a:ext cx="893005" cy="461665"/>
+          </a:xfrm>
+          <a:prstGeom prst="rect">
+            <a:avLst/>
+          </a:prstGeom>
+          <a:noFill/>
+        </p:spPr>
+        <p:txBody>
+          <a:bodyPr wrap="square" rtlCol="0">
+            <a:spAutoFit/>
+          </a:bodyPr>
+          <a:lstStyle/>
+          <a:p>
+            <a:pPr algn="l"/>
+            <a:r>
+              <a:rPr lang="en-US" sz="2400" dirty="0">
+                <a:latin typeface="PFDinTextCompPro-Italic"/>
+                <a:cs typeface="PFDinTextCompPro-Italic"/>
+              </a:rPr>
+              <a:t>FPR</a:t>
+            </a:r>
+          </a:p>
+        </p:txBody>
+      </p:sp>
+      <p:sp>
+        <p:nvSpPr>
+          <p:cNvPr id="9" name="TextBox 8"/>
+          <p:cNvSpPr txBox="1"/>
+          <p:nvPr/>
+        </p:nvSpPr>
+        <p:spPr>
+          <a:xfrm>
+            <a:off x="5004549" y="3329778"/>
+            <a:ext cx="893005" cy="461665"/>
+          </a:xfrm>
+          <a:prstGeom prst="rect">
+            <a:avLst/>
+          </a:prstGeom>
+          <a:noFill/>
+        </p:spPr>
+        <p:txBody>
+          <a:bodyPr wrap="square" rtlCol="0">
+            <a:spAutoFit/>
+          </a:bodyPr>
+          <a:lstStyle/>
+          <a:p>
+            <a:pPr algn="l"/>
+            <a:r>
+              <a:rPr lang="en-US" sz="2400" dirty="0">
+                <a:latin typeface="PFDinTextCompPro-Italic"/>
+                <a:cs typeface="PFDinTextCompPro-Italic"/>
+              </a:rPr>
+              <a:t>TPR</a:t>
+            </a:r>
+          </a:p>
+        </p:txBody>
+      </p:sp>
+      <p:sp>
+        <p:nvSpPr>
+          <p:cNvPr id="11" name="Title 1">
+            <a:extLst>
+              <a:ext uri="{FF2B5EF4-FFF2-40B4-BE49-F238E27FC236}">
+                <a16:creationId xmlns:a16="http://schemas.microsoft.com/office/drawing/2014/main" id="{278B0ED0-5593-DA49-A9B8-9B7A45F4DA3C}"/>
+              </a:ext>
+            </a:extLst>
+          </p:cNvPr>
+          <p:cNvSpPr txBox="1">
+            <a:spLocks/>
+          </p:cNvSpPr>
+          <p:nvPr/>
+        </p:nvSpPr>
+        <p:spPr>
+          <a:xfrm>
+            <a:off x="838200" y="365125"/>
+            <a:ext cx="10515600" cy="1325563"/>
+          </a:xfrm>
+          <a:prstGeom prst="rect">
+            <a:avLst/>
+          </a:prstGeom>
+        </p:spPr>
+        <p:txBody>
+          <a:bodyPr vert="horz" lIns="0" tIns="32914" rIns="65828" bIns="32914" rtlCol="0" anchor="ctr">
+            <a:normAutofit/>
+          </a:bodyPr>
+          <a:lstStyle>
+            <a:lvl1pPr algn="l" defTabSz="914400" rtl="0" eaLnBrk="1" latinLnBrk="0" hangingPunct="1">
+              <a:lnSpc>
+                <a:spcPts val="4686"/>
+              </a:lnSpc>
+              <a:spcBef>
+                <a:spcPct val="0"/>
+              </a:spcBef>
+              <a:buNone/>
+              <a:defRPr sz="5078" b="1" kern="1200" cap="all" baseline="0">
+                <a:solidFill>
+                  <a:schemeClr val="tx1"/>
+                </a:solidFill>
+                <a:latin typeface="+mj-lt"/>
+                <a:ea typeface="+mj-ea"/>
+                <a:cs typeface="+mj-cs"/>
+              </a:defRPr>
+            </a:lvl1pPr>
+          </a:lstStyle>
+          <a:p>
+            <a:r>
+              <a:rPr lang="en-US" sz="4000" b="0" cap="none" dirty="0"/>
+              <a:t>ROC Curve</a:t>
+            </a:r>
+          </a:p>
+        </p:txBody>
+      </p:sp>
+    </p:spTree>
+    <p:extLst>
+      <p:ext uri="{BB962C8B-B14F-4D97-AF65-F5344CB8AC3E}">
+        <p14:creationId xmlns:p14="http://schemas.microsoft.com/office/powerpoint/2010/main" val="2540328064"/>
+      </p:ext>
+    </p:extLst>
+  </p:cSld>
+  <p:clrMapOvr>
+    <a:masterClrMapping/>
+  </p:clrMapOvr>
+  <p:transition/>
+</p:sld>
+</file>
+
+<file path=ppt/slides/slide11.xml><?xml version="1.0" encoding="utf-8"?>
+<p:sld xmlns:a="http://schemas.openxmlformats.org/drawingml/2006/main" xmlns:r="http://schemas.openxmlformats.org/officeDocument/2006/relationships" xmlns:p="http://schemas.openxmlformats.org/presentationml/2006/main">
+  <p:cSld>
+    <p:spTree>
+      <p:nvGrpSpPr>
+        <p:cNvPr id="1" name=""/>
+        <p:cNvGrpSpPr/>
+        <p:nvPr/>
+      </p:nvGrpSpPr>
+      <p:grpSpPr>
+        <a:xfrm>
+          <a:off x="0" y="0"/>
+          <a:ext cx="0" cy="0"/>
+          <a:chOff x="0" y="0"/>
+          <a:chExt cx="0" cy="0"/>
+        </a:xfrm>
+      </p:grpSpPr>
+      <p:sp>
+        <p:nvSpPr>
+          <p:cNvPr id="5" name="TextBox 4"/>
+          <p:cNvSpPr txBox="1"/>
+          <p:nvPr/>
+        </p:nvSpPr>
+        <p:spPr>
+          <a:xfrm>
             <a:off x="4905327" y="1444544"/>
             <a:ext cx="6548704" cy="1938992"/>
           </a:xfrm>
@@ -5420,7 +6122,7 @@
               <a:pPr>
                 <a:defRPr/>
               </a:pPr>
-              <a:t>10</a:t>
+              <a:t>11</a:t>
             </a:fld>
             <a:endParaRPr lang="en-US"/>
           </a:p>
@@ -6395,6 +7097,53 @@
             <a:r>
               <a:rPr lang="en-US" sz="4000" b="0" cap="none" dirty="0"/>
               <a:t>ROC Curve</a:t>
+            </a:r>
+          </a:p>
+        </p:txBody>
+      </p:sp>
+      <p:sp>
+        <p:nvSpPr>
+          <p:cNvPr id="3" name="TextBox 2">
+            <a:extLst>
+              <a:ext uri="{FF2B5EF4-FFF2-40B4-BE49-F238E27FC236}">
+                <a16:creationId xmlns:a16="http://schemas.microsoft.com/office/drawing/2014/main" id="{C9769A02-56D9-6C4C-8E4F-5B1A98F6B21F}"/>
+              </a:ext>
+            </a:extLst>
+          </p:cNvPr>
+          <p:cNvSpPr txBox="1"/>
+          <p:nvPr/>
+        </p:nvSpPr>
+        <p:spPr>
+          <a:xfrm>
+            <a:off x="6062597" y="588723"/>
+            <a:ext cx="5660845" cy="369332"/>
+          </a:xfrm>
+          <a:prstGeom prst="rect">
+            <a:avLst/>
+          </a:prstGeom>
+          <a:noFill/>
+        </p:spPr>
+        <p:txBody>
+          <a:bodyPr wrap="none" rtlCol="0">
+            <a:spAutoFit/>
+          </a:bodyPr>
+          <a:lstStyle/>
+          <a:p>
+            <a:r>
+              <a:rPr lang="en-US" dirty="0">
+                <a:hlinkClick r:id="rId3"/>
+              </a:rPr>
+              <a:t>https://www.dataschool.io/roc-curves-and-auc</a:t>
+            </a:r>
+            <a:r>
+              <a:rPr lang="en-US">
+                <a:hlinkClick r:id="rId3"/>
+              </a:rPr>
+              <a:t>-explained/</a:t>
+            </a:r>
+            <a:r>
+              <a:rPr lang="en-US"/>
+              <a:t> </a:t>
             </a:r>
           </a:p>
         </p:txBody>
@@ -6488,7 +7237,7 @@
 </p:sld>
 </file>
 
-<file path=ppt/slides/slide11.xml><?xml version="1.0" encoding="utf-8"?>
+<file path=ppt/slides/slide12.xml><?xml version="1.0" encoding="utf-8"?>
 <p:sld xmlns:a="http://schemas.openxmlformats.org/drawingml/2006/main" xmlns:r="http://schemas.openxmlformats.org/officeDocument/2006/relationships" xmlns:p="http://schemas.openxmlformats.org/presentationml/2006/main">
   <p:cSld>
     <p:spTree>
@@ -6648,7 +7397,7 @@
               <a:pPr>
                 <a:defRPr/>
               </a:pPr>
-              <a:t>11</a:t>
+              <a:t>12</a:t>
             </a:fld>
             <a:endParaRPr lang="en-US"/>
           </a:p>
@@ -7691,7 +8440,7 @@
 </p:sld>
 </file>
 
-<file path=ppt/slides/slide12.xml><?xml version="1.0" encoding="utf-8"?>
+<file path=ppt/slides/slide13.xml><?xml version="1.0" encoding="utf-8"?>
 <p:sld xmlns:a="http://schemas.openxmlformats.org/drawingml/2006/main" xmlns:r="http://schemas.openxmlformats.org/officeDocument/2006/relationships" xmlns:p="http://schemas.openxmlformats.org/presentationml/2006/main">
   <p:cSld>
     <p:spTree>
@@ -7844,7 +8593,7 @@
               <a:pPr>
                 <a:defRPr/>
               </a:pPr>
-              <a:t>12</a:t>
+              <a:t>13</a:t>
             </a:fld>
             <a:endParaRPr lang="en-US"/>
           </a:p>
@@ -8547,6 +9296,13 @@
             <a:pPr lvl="1"/>
             <a:r>
               <a:rPr lang="en-US" dirty="0"/>
+              <a:t>Assessing the accuracy of model coefficients</a:t>
+            </a:r>
+          </a:p>
+          <a:p>
+            <a:pPr lvl="1"/>
+            <a:r>
+              <a:rPr lang="en-US" dirty="0"/>
               <a:t>RMSE – Root Mean Squared Error</a:t>
             </a:r>
           </a:p>
@@ -8611,6 +9367,270 @@
       </p:grpSpPr>
       <p:sp>
         <p:nvSpPr>
+          <p:cNvPr id="2" name="TextBox 1"/>
+          <p:cNvSpPr txBox="1"/>
+          <p:nvPr/>
+        </p:nvSpPr>
+        <p:spPr>
+          <a:xfrm>
+            <a:off x="1016000" y="177800"/>
+            <a:ext cx="10005752" cy="748988"/>
+          </a:xfrm>
+          <a:prstGeom prst="rect">
+            <a:avLst/>
+          </a:prstGeom>
+          <a:noFill/>
+        </p:spPr>
+        <p:txBody>
+          <a:bodyPr wrap="none" rtlCol="0">
+            <a:spAutoFit/>
+          </a:bodyPr>
+          <a:lstStyle/>
+          <a:p>
+            <a:r>
+              <a:rPr lang="en-US" sz="4267" dirty="0"/>
+              <a:t>Assessing the accuracy of model coefficients</a:t>
+            </a:r>
+          </a:p>
+        </p:txBody>
+      </p:sp>
+      <p:pic>
+        <p:nvPicPr>
+          <p:cNvPr id="6" name="Picture 5"/>
+          <p:cNvPicPr>
+            <a:picLocks noChangeAspect="1"/>
+          </p:cNvPicPr>
+          <p:nvPr/>
+        </p:nvPicPr>
+        <p:blipFill>
+          <a:blip r:embed="rId2"/>
+          <a:stretch>
+            <a:fillRect/>
+          </a:stretch>
+        </p:blipFill>
+        <p:spPr>
+          <a:xfrm>
+            <a:off x="7620000" y="1955800"/>
+            <a:ext cx="2540000" cy="1066800"/>
+          </a:xfrm>
+          <a:prstGeom prst="rect">
+            <a:avLst/>
+          </a:prstGeom>
+        </p:spPr>
+      </p:pic>
+      <p:pic>
+        <p:nvPicPr>
+          <p:cNvPr id="7" name="Picture 6"/>
+          <p:cNvPicPr>
+            <a:picLocks noChangeAspect="1"/>
+          </p:cNvPicPr>
+          <p:nvPr/>
+        </p:nvPicPr>
+        <p:blipFill>
+          <a:blip r:embed="rId3"/>
+          <a:stretch>
+            <a:fillRect/>
+          </a:stretch>
+        </p:blipFill>
+        <p:spPr>
+          <a:xfrm>
+            <a:off x="7823200" y="3327400"/>
+            <a:ext cx="2286000" cy="508000"/>
+          </a:xfrm>
+          <a:prstGeom prst="rect">
+            <a:avLst/>
+          </a:prstGeom>
+        </p:spPr>
+      </p:pic>
+      <p:pic>
+        <p:nvPicPr>
+          <p:cNvPr id="8" name="Picture 7"/>
+          <p:cNvPicPr>
+            <a:picLocks noChangeAspect="1"/>
+          </p:cNvPicPr>
+          <p:nvPr/>
+        </p:nvPicPr>
+        <p:blipFill>
+          <a:blip r:embed="rId4"/>
+          <a:stretch>
+            <a:fillRect/>
+          </a:stretch>
+        </p:blipFill>
+        <p:spPr>
+          <a:xfrm>
+            <a:off x="7315200" y="4258733"/>
+            <a:ext cx="3742267" cy="897467"/>
+          </a:xfrm>
+          <a:prstGeom prst="rect">
+            <a:avLst/>
+          </a:prstGeom>
+        </p:spPr>
+      </p:pic>
+      <p:pic>
+        <p:nvPicPr>
+          <p:cNvPr id="9" name="Picture 8"/>
+          <p:cNvPicPr>
+            <a:picLocks noChangeAspect="1"/>
+          </p:cNvPicPr>
+          <p:nvPr/>
+        </p:nvPicPr>
+        <p:blipFill>
+          <a:blip r:embed="rId5"/>
+          <a:stretch>
+            <a:fillRect/>
+          </a:stretch>
+        </p:blipFill>
+        <p:spPr>
+          <a:xfrm>
+            <a:off x="6502400" y="5461000"/>
+            <a:ext cx="5588000" cy="1320800"/>
+          </a:xfrm>
+          <a:prstGeom prst="rect">
+            <a:avLst/>
+          </a:prstGeom>
+        </p:spPr>
+      </p:pic>
+      <p:pic>
+        <p:nvPicPr>
+          <p:cNvPr id="10" name="Picture 9"/>
+          <p:cNvPicPr>
+            <a:picLocks noChangeAspect="1"/>
+          </p:cNvPicPr>
+          <p:nvPr/>
+        </p:nvPicPr>
+        <p:blipFill>
+          <a:blip r:embed="rId6"/>
+          <a:stretch>
+            <a:fillRect/>
+          </a:stretch>
+        </p:blipFill>
+        <p:spPr>
+          <a:xfrm>
+            <a:off x="7518400" y="1092200"/>
+            <a:ext cx="2946400" cy="601307"/>
+          </a:xfrm>
+          <a:prstGeom prst="rect">
+            <a:avLst/>
+          </a:prstGeom>
+        </p:spPr>
+      </p:pic>
+      <p:sp>
+        <p:nvSpPr>
+          <p:cNvPr id="5" name="TextBox 4"/>
+          <p:cNvSpPr txBox="1"/>
+          <p:nvPr/>
+        </p:nvSpPr>
+        <p:spPr>
+          <a:xfrm>
+            <a:off x="0" y="889001"/>
+            <a:ext cx="6908800" cy="6248762"/>
+          </a:xfrm>
+          <a:prstGeom prst="rect">
+            <a:avLst/>
+          </a:prstGeom>
+          <a:noFill/>
+        </p:spPr>
+        <p:txBody>
+          <a:bodyPr wrap="square" rtlCol="0">
+            <a:spAutoFit/>
+          </a:bodyPr>
+          <a:lstStyle/>
+          <a:p>
+            <a:r>
+              <a:rPr lang="en-US" sz="2667" dirty="0"/>
+              <a:t>Linear regression with residual term. Represents what we can’t explain with our model.</a:t>
+            </a:r>
+          </a:p>
+          <a:p>
+            <a:endParaRPr lang="en-US" sz="2667" dirty="0"/>
+          </a:p>
+          <a:p>
+            <a:r>
+              <a:rPr lang="en-US" sz="2667" dirty="0"/>
+              <a:t>RSS measures the amount of variability that is left unexplained after performing the regression</a:t>
+            </a:r>
+          </a:p>
+          <a:p>
+            <a:endParaRPr lang="en-US" sz="2667" baseline="30000" dirty="0"/>
+          </a:p>
+          <a:p>
+            <a:r>
+              <a:rPr lang="en-US" sz="2667" dirty="0"/>
+              <a:t>TSS (Total sum of squares) measures the total variance when measuring the response y.</a:t>
+            </a:r>
+          </a:p>
+          <a:p>
+            <a:endParaRPr lang="en-US" sz="2667" dirty="0"/>
+          </a:p>
+          <a:p>
+            <a:r>
+              <a:rPr lang="en-US" sz="2667" dirty="0"/>
+              <a:t>R</a:t>
+            </a:r>
+            <a:r>
+              <a:rPr lang="en-US" sz="2667" baseline="30000" dirty="0"/>
+              <a:t>2</a:t>
+            </a:r>
+            <a:r>
+              <a:rPr lang="en-US" sz="2667" dirty="0"/>
+              <a:t>  amount of variance explained by our model</a:t>
+            </a:r>
+            <a:endParaRPr lang="en-US" sz="2667" baseline="30000" dirty="0"/>
+          </a:p>
+          <a:p>
+            <a:endParaRPr lang="en-US" sz="2667" baseline="30000" dirty="0"/>
+          </a:p>
+          <a:p>
+            <a:r>
+              <a:rPr lang="en-US" sz="2667" dirty="0"/>
+              <a:t>The RSE is an estimate of the standard deviation of </a:t>
+            </a:r>
+            <a:r>
+              <a:rPr lang="en-US" sz="2667" dirty="0" err="1"/>
+              <a:t>ε</a:t>
+            </a:r>
+            <a:r>
+              <a:rPr lang="en-US" sz="2667" dirty="0"/>
+              <a:t>. It is basically the average amount that the response will deviate from the true regression line. </a:t>
+            </a:r>
+          </a:p>
+          <a:p>
+            <a:endParaRPr lang="en-US" sz="2667" baseline="30000" dirty="0"/>
+          </a:p>
+        </p:txBody>
+      </p:sp>
+    </p:spTree>
+    <p:extLst>
+      <p:ext uri="{BB962C8B-B14F-4D97-AF65-F5344CB8AC3E}">
+        <p14:creationId xmlns:p14="http://schemas.microsoft.com/office/powerpoint/2010/main" val="4126016355"/>
+      </p:ext>
+    </p:extLst>
+  </p:cSld>
+  <p:clrMapOvr>
+    <a:masterClrMapping/>
+  </p:clrMapOvr>
+</p:sld>
+</file>
+
+<file path=ppt/slides/slide4.xml><?xml version="1.0" encoding="utf-8"?>
+<p:sld xmlns:a="http://schemas.openxmlformats.org/drawingml/2006/main" xmlns:r="http://schemas.openxmlformats.org/officeDocument/2006/relationships" xmlns:p="http://schemas.openxmlformats.org/presentationml/2006/main">
+  <p:cSld>
+    <p:spTree>
+      <p:nvGrpSpPr>
+        <p:cNvPr id="1" name=""/>
+        <p:cNvGrpSpPr/>
+        <p:nvPr/>
+      </p:nvGrpSpPr>
+      <p:grpSpPr>
+        <a:xfrm>
+          <a:off x="0" y="0"/>
+          <a:ext cx="0" cy="0"/>
+          <a:chOff x="0" y="0"/>
+          <a:chExt cx="0" cy="0"/>
+        </a:xfrm>
+      </p:grpSpPr>
+      <p:sp>
+        <p:nvSpPr>
           <p:cNvPr id="8" name="Slide Number Placeholder 3"/>
           <p:cNvSpPr>
             <a:spLocks noGrp="1"/>
@@ -8632,7 +9652,7 @@
               <a:pPr>
                 <a:defRPr/>
               </a:pPr>
-              <a:t>3</a:t>
+              <a:t>4</a:t>
             </a:fld>
             <a:endParaRPr lang="en-US"/>
           </a:p>
@@ -9133,7 +10153,7 @@
 </p:sld>
 </file>
 
-<file path=ppt/slides/slide4.xml><?xml version="1.0" encoding="utf-8"?>
+<file path=ppt/slides/slide5.xml><?xml version="1.0" encoding="utf-8"?>
 <p:sld xmlns:a="http://schemas.openxmlformats.org/drawingml/2006/main" xmlns:r="http://schemas.openxmlformats.org/officeDocument/2006/relationships" xmlns:p="http://schemas.openxmlformats.org/presentationml/2006/main">
   <p:cSld>
     <p:spTree>
@@ -9173,7 +10193,7 @@
               <a:pPr>
                 <a:defRPr/>
               </a:pPr>
-              <a:t>4</a:t>
+              <a:t>5</a:t>
             </a:fld>
             <a:endParaRPr lang="en-US"/>
           </a:p>
@@ -9471,7 +10491,7 @@
 </p:sld>
 </file>
 
-<file path=ppt/slides/slide5.xml><?xml version="1.0" encoding="utf-8"?>
+<file path=ppt/slides/slide6.xml><?xml version="1.0" encoding="utf-8"?>
 <p:sld xmlns:a="http://schemas.openxmlformats.org/drawingml/2006/main" xmlns:r="http://schemas.openxmlformats.org/officeDocument/2006/relationships" xmlns:p="http://schemas.openxmlformats.org/presentationml/2006/main">
   <p:cSld>
     <p:spTree>
@@ -9511,7 +10531,7 @@
               <a:pPr>
                 <a:defRPr/>
               </a:pPr>
-              <a:t>5</a:t>
+              <a:t>6</a:t>
             </a:fld>
             <a:endParaRPr lang="en-US"/>
           </a:p>
@@ -9956,7 +10976,7 @@
 </p:sld>
 </file>
 
-<file path=ppt/slides/slide6.xml><?xml version="1.0" encoding="utf-8"?>
+<file path=ppt/slides/slide7.xml><?xml version="1.0" encoding="utf-8"?>
 <p:sld xmlns:a="http://schemas.openxmlformats.org/drawingml/2006/main" xmlns:r="http://schemas.openxmlformats.org/officeDocument/2006/relationships" xmlns:p="http://schemas.openxmlformats.org/presentationml/2006/main">
   <p:cSld>
     <p:spTree>
@@ -9996,7 +11016,7 @@
               <a:pPr>
                 <a:defRPr/>
               </a:pPr>
-              <a:t>6</a:t>
+              <a:t>7</a:t>
             </a:fld>
             <a:endParaRPr lang="en-US"/>
           </a:p>
@@ -10810,7 +11830,7 @@
 </p:sld>
 </file>
 
-<file path=ppt/slides/slide7.xml><?xml version="1.0" encoding="utf-8"?>
+<file path=ppt/slides/slide8.xml><?xml version="1.0" encoding="utf-8"?>
 <p:sld xmlns:a="http://schemas.openxmlformats.org/drawingml/2006/main" xmlns:r="http://schemas.openxmlformats.org/officeDocument/2006/relationships" xmlns:p="http://schemas.openxmlformats.org/presentationml/2006/main">
   <p:cSld>
     <p:spTree>
@@ -10850,7 +11870,7 @@
               <a:pPr>
                 <a:defRPr/>
               </a:pPr>
-              <a:t>7</a:t>
+              <a:t>8</a:t>
             </a:fld>
             <a:endParaRPr lang="en-US"/>
           </a:p>
@@ -11633,7 +12653,7 @@
 </p:sld>
 </file>
 
-<file path=ppt/slides/slide8.xml><?xml version="1.0" encoding="utf-8"?>
+<file path=ppt/slides/slide9.xml><?xml version="1.0" encoding="utf-8"?>
 <p:sld xmlns:a="http://schemas.openxmlformats.org/drawingml/2006/main" xmlns:r="http://schemas.openxmlformats.org/officeDocument/2006/relationships" xmlns:p="http://schemas.openxmlformats.org/presentationml/2006/main">
   <p:cSld>
     <p:spTree>
@@ -11723,7 +12743,7 @@
               <a:pPr>
                 <a:defRPr/>
               </a:pPr>
-              <a:t>8</a:t>
+              <a:t>9</a:t>
             </a:fld>
             <a:endParaRPr lang="en-US"/>
           </a:p>
@@ -12343,707 +13363,6 @@
       </p:par>
     </p:tnLst>
   </p:timing>
-</p:sld>
-</file>
-
-<file path=ppt/slides/slide9.xml><?xml version="1.0" encoding="utf-8"?>
-<p:sld xmlns:a="http://schemas.openxmlformats.org/drawingml/2006/main" xmlns:r="http://schemas.openxmlformats.org/officeDocument/2006/relationships" xmlns:p="http://schemas.openxmlformats.org/presentationml/2006/main">
-  <p:cSld>
-    <p:spTree>
-      <p:nvGrpSpPr>
-        <p:cNvPr id="1" name=""/>
-        <p:cNvGrpSpPr/>
-        <p:nvPr/>
-      </p:nvGrpSpPr>
-      <p:grpSpPr>
-        <a:xfrm>
-          <a:off x="0" y="0"/>
-          <a:ext cx="0" cy="0"/>
-          <a:chOff x="0" y="0"/>
-          <a:chExt cx="0" cy="0"/>
-        </a:xfrm>
-      </p:grpSpPr>
-      <p:sp>
-        <p:nvSpPr>
-          <p:cNvPr id="5" name="TextBox 4"/>
-          <p:cNvSpPr txBox="1"/>
-          <p:nvPr/>
-        </p:nvSpPr>
-        <p:spPr>
-          <a:xfrm>
-            <a:off x="7584342" y="1246100"/>
-            <a:ext cx="1984456" cy="461665"/>
-          </a:xfrm>
-          <a:prstGeom prst="rect">
-            <a:avLst/>
-          </a:prstGeom>
-          <a:noFill/>
-        </p:spPr>
-        <p:txBody>
-          <a:bodyPr wrap="square" rtlCol="0">
-            <a:spAutoFit/>
-          </a:bodyPr>
-          <a:lstStyle/>
-          <a:p>
-            <a:pPr algn="l"/>
-            <a:r>
-              <a:rPr lang="en-US" sz="2400" dirty="0">
-                <a:latin typeface="PFDinTextCompPro-Italic"/>
-                <a:cs typeface="PFDinTextCompPro-Italic"/>
-              </a:rPr>
-              <a:t>ROC Curve</a:t>
-            </a:r>
-          </a:p>
-        </p:txBody>
-      </p:sp>
-      <p:sp>
-        <p:nvSpPr>
-          <p:cNvPr id="8" name="Slide Number Placeholder 3"/>
-          <p:cNvSpPr>
-            <a:spLocks noGrp="1"/>
-          </p:cNvSpPr>
-          <p:nvPr>
-            <p:ph type="sldNum" sz="quarter" idx="13"/>
-          </p:nvPr>
-        </p:nvSpPr>
-        <p:spPr/>
-        <p:txBody>
-          <a:bodyPr/>
-          <a:lstStyle/>
-          <a:p>
-            <a:pPr>
-              <a:defRPr/>
-            </a:pPr>
-            <a:fld id="{BD5AD749-DAD1-6A4A-A2AA-CB20EAD0AEB7}" type="slidenum">
-              <a:rPr lang="en-US"/>
-              <a:pPr>
-                <a:defRPr/>
-              </a:pPr>
-              <a:t>9</a:t>
-            </a:fld>
-            <a:endParaRPr lang="en-US"/>
-          </a:p>
-        </p:txBody>
-      </p:sp>
-      <p:graphicFrame>
-        <p:nvGraphicFramePr>
-          <p:cNvPr id="2" name="Table 1"/>
-          <p:cNvGraphicFramePr>
-            <a:graphicFrameLocks noGrp="1"/>
-          </p:cNvGraphicFramePr>
-          <p:nvPr>
-            <p:extLst>
-              <p:ext uri="{D42A27DB-BD31-4B8C-83A1-F6EECF244321}">
-                <p14:modId xmlns:p14="http://schemas.microsoft.com/office/powerpoint/2010/main" val="337084388"/>
-              </p:ext>
-            </p:extLst>
-          </p:nvPr>
-        </p:nvGraphicFramePr>
-        <p:xfrm>
-          <a:off x="488516" y="1642990"/>
-          <a:ext cx="3916566" cy="5053745"/>
-        </p:xfrm>
-        <a:graphic>
-          <a:graphicData uri="http://schemas.openxmlformats.org/drawingml/2006/table">
-            <a:tbl>
-              <a:tblPr firstRow="1" bandRow="1">
-                <a:tableStyleId>{5C22544A-7EE6-4342-B048-85BDC9FD1C3A}</a:tableStyleId>
-              </a:tblPr>
-              <a:tblGrid>
-                <a:gridCol w="1305522">
-                  <a:extLst>
-                    <a:ext uri="{9D8B030D-6E8A-4147-A177-3AD203B41FA5}">
-                      <a16:colId xmlns:a16="http://schemas.microsoft.com/office/drawing/2014/main" val="20000"/>
-                    </a:ext>
-                  </a:extLst>
-                </a:gridCol>
-                <a:gridCol w="1305522">
-                  <a:extLst>
-                    <a:ext uri="{9D8B030D-6E8A-4147-A177-3AD203B41FA5}">
-                      <a16:colId xmlns:a16="http://schemas.microsoft.com/office/drawing/2014/main" val="20001"/>
-                    </a:ext>
-                  </a:extLst>
-                </a:gridCol>
-                <a:gridCol w="1305522">
-                  <a:extLst>
-                    <a:ext uri="{9D8B030D-6E8A-4147-A177-3AD203B41FA5}">
-                      <a16:colId xmlns:a16="http://schemas.microsoft.com/office/drawing/2014/main" val="20002"/>
-                    </a:ext>
-                  </a:extLst>
-                </a:gridCol>
-              </a:tblGrid>
-              <a:tr h="1190673">
-                <a:tc>
-                  <a:txBody>
-                    <a:bodyPr/>
-                    <a:lstStyle/>
-                    <a:p>
-                      <a:r>
-                        <a:rPr lang="en-US" sz="2300" dirty="0"/>
-                        <a:t>Email Number</a:t>
-                      </a:r>
-                    </a:p>
-                  </a:txBody>
-                  <a:tcPr marL="119067" marR="119067" marT="59534" marB="59534"/>
-                </a:tc>
-                <a:tc>
-                  <a:txBody>
-                    <a:bodyPr/>
-                    <a:lstStyle/>
-                    <a:p>
-                      <a:r>
-                        <a:rPr lang="en-US" sz="2300" dirty="0"/>
-                        <a:t>Score</a:t>
-                      </a:r>
-                    </a:p>
-                  </a:txBody>
-                  <a:tcPr marL="119067" marR="119067" marT="59534" marB="59534"/>
-                </a:tc>
-                <a:tc>
-                  <a:txBody>
-                    <a:bodyPr/>
-                    <a:lstStyle/>
-                    <a:p>
-                      <a:r>
-                        <a:rPr lang="en-US" sz="2300" dirty="0"/>
-                        <a:t>True Label</a:t>
-                      </a:r>
-                    </a:p>
-                  </a:txBody>
-                  <a:tcPr marL="119067" marR="119067" marT="59534" marB="59534"/>
-                </a:tc>
-                <a:extLst>
-                  <a:ext uri="{0D108BD9-81ED-4DB2-BD59-A6C34878D82A}">
-                    <a16:rowId xmlns:a16="http://schemas.microsoft.com/office/drawing/2014/main" val="10000"/>
-                  </a:ext>
-                </a:extLst>
-              </a:tr>
-              <a:tr h="482884">
-                <a:tc>
-                  <a:txBody>
-                    <a:bodyPr/>
-                    <a:lstStyle/>
-                    <a:p>
-                      <a:r>
-                        <a:rPr lang="en-US" sz="2300" dirty="0"/>
-                        <a:t>5</a:t>
-                      </a:r>
-                    </a:p>
-                  </a:txBody>
-                  <a:tcPr marL="119067" marR="119067" marT="59534" marB="59534"/>
-                </a:tc>
-                <a:tc>
-                  <a:txBody>
-                    <a:bodyPr/>
-                    <a:lstStyle/>
-                    <a:p>
-                      <a:r>
-                        <a:rPr lang="en-US" sz="2300"/>
-                        <a:t>0.99</a:t>
-                      </a:r>
-                      <a:endParaRPr lang="en-US" sz="2300" dirty="0"/>
-                    </a:p>
-                  </a:txBody>
-                  <a:tcPr marL="119067" marR="119067" marT="59534" marB="59534"/>
-                </a:tc>
-                <a:tc>
-                  <a:txBody>
-                    <a:bodyPr/>
-                    <a:lstStyle/>
-                    <a:p>
-                      <a:r>
-                        <a:rPr lang="en-US" sz="2300" dirty="0"/>
-                        <a:t>Spam</a:t>
-                      </a:r>
-                    </a:p>
-                  </a:txBody>
-                  <a:tcPr marL="119067" marR="119067" marT="59534" marB="59534"/>
-                </a:tc>
-                <a:extLst>
-                  <a:ext uri="{0D108BD9-81ED-4DB2-BD59-A6C34878D82A}">
-                    <a16:rowId xmlns:a16="http://schemas.microsoft.com/office/drawing/2014/main" val="10001"/>
-                  </a:ext>
-                </a:extLst>
-              </a:tr>
-              <a:tr h="482884">
-                <a:tc>
-                  <a:txBody>
-                    <a:bodyPr/>
-                    <a:lstStyle/>
-                    <a:p>
-                      <a:r>
-                        <a:rPr lang="en-US" sz="2300" dirty="0"/>
-                        <a:t>8</a:t>
-                      </a:r>
-                    </a:p>
-                  </a:txBody>
-                  <a:tcPr marL="119067" marR="119067" marT="59534" marB="59534"/>
-                </a:tc>
-                <a:tc>
-                  <a:txBody>
-                    <a:bodyPr/>
-                    <a:lstStyle/>
-                    <a:p>
-                      <a:r>
-                        <a:rPr lang="en-US" sz="2300"/>
-                        <a:t>0.82</a:t>
-                      </a:r>
-                      <a:endParaRPr lang="en-US" sz="2300" dirty="0"/>
-                    </a:p>
-                  </a:txBody>
-                  <a:tcPr marL="119067" marR="119067" marT="59534" marB="59534"/>
-                </a:tc>
-                <a:tc>
-                  <a:txBody>
-                    <a:bodyPr/>
-                    <a:lstStyle/>
-                    <a:p>
-                      <a:r>
-                        <a:rPr lang="en-US" sz="2300" dirty="0"/>
-                        <a:t>Spam</a:t>
-                      </a:r>
-                    </a:p>
-                  </a:txBody>
-                  <a:tcPr marL="119067" marR="119067" marT="59534" marB="59534"/>
-                </a:tc>
-                <a:extLst>
-                  <a:ext uri="{0D108BD9-81ED-4DB2-BD59-A6C34878D82A}">
-                    <a16:rowId xmlns:a16="http://schemas.microsoft.com/office/drawing/2014/main" val="10002"/>
-                  </a:ext>
-                </a:extLst>
-              </a:tr>
-              <a:tr h="482884">
-                <a:tc>
-                  <a:txBody>
-                    <a:bodyPr/>
-                    <a:lstStyle/>
-                    <a:p>
-                      <a:r>
-                        <a:rPr lang="en-US" sz="2300" dirty="0"/>
-                        <a:t>2</a:t>
-                      </a:r>
-                    </a:p>
-                  </a:txBody>
-                  <a:tcPr marL="119067" marR="119067" marT="59534" marB="59534"/>
-                </a:tc>
-                <a:tc>
-                  <a:txBody>
-                    <a:bodyPr/>
-                    <a:lstStyle/>
-                    <a:p>
-                      <a:r>
-                        <a:rPr lang="en-US" sz="2300"/>
-                        <a:t>0.60</a:t>
-                      </a:r>
-                      <a:endParaRPr lang="en-US" sz="2300" dirty="0"/>
-                    </a:p>
-                  </a:txBody>
-                  <a:tcPr marL="119067" marR="119067" marT="59534" marB="59534"/>
-                </a:tc>
-                <a:tc>
-                  <a:txBody>
-                    <a:bodyPr/>
-                    <a:lstStyle/>
-                    <a:p>
-                      <a:r>
-                        <a:rPr lang="en-US" sz="2300" dirty="0"/>
-                        <a:t>Spam</a:t>
-                      </a:r>
-                    </a:p>
-                  </a:txBody>
-                  <a:tcPr marL="119067" marR="119067" marT="59534" marB="59534"/>
-                </a:tc>
-                <a:extLst>
-                  <a:ext uri="{0D108BD9-81ED-4DB2-BD59-A6C34878D82A}">
-                    <a16:rowId xmlns:a16="http://schemas.microsoft.com/office/drawing/2014/main" val="10003"/>
-                  </a:ext>
-                </a:extLst>
-              </a:tr>
-              <a:tr h="482884">
-                <a:tc>
-                  <a:txBody>
-                    <a:bodyPr/>
-                    <a:lstStyle/>
-                    <a:p>
-                      <a:r>
-                        <a:rPr lang="en-US" sz="2300" dirty="0"/>
-                        <a:t>1</a:t>
-                      </a:r>
-                    </a:p>
-                  </a:txBody>
-                  <a:tcPr marL="119067" marR="119067" marT="59534" marB="59534"/>
-                </a:tc>
-                <a:tc>
-                  <a:txBody>
-                    <a:bodyPr/>
-                    <a:lstStyle/>
-                    <a:p>
-                      <a:r>
-                        <a:rPr lang="en-US" sz="2300"/>
-                        <a:t>0.60</a:t>
-                      </a:r>
-                      <a:endParaRPr lang="en-US" sz="2300" dirty="0"/>
-                    </a:p>
-                  </a:txBody>
-                  <a:tcPr marL="119067" marR="119067" marT="59534" marB="59534"/>
-                </a:tc>
-                <a:tc>
-                  <a:txBody>
-                    <a:bodyPr/>
-                    <a:lstStyle/>
-                    <a:p>
-                      <a:r>
-                        <a:rPr lang="en-US" sz="2300" dirty="0"/>
-                        <a:t>Ham</a:t>
-                      </a:r>
-                    </a:p>
-                  </a:txBody>
-                  <a:tcPr marL="119067" marR="119067" marT="59534" marB="59534"/>
-                </a:tc>
-                <a:extLst>
-                  <a:ext uri="{0D108BD9-81ED-4DB2-BD59-A6C34878D82A}">
-                    <a16:rowId xmlns:a16="http://schemas.microsoft.com/office/drawing/2014/main" val="10004"/>
-                  </a:ext>
-                </a:extLst>
-              </a:tr>
-              <a:tr h="482884">
-                <a:tc>
-                  <a:txBody>
-                    <a:bodyPr/>
-                    <a:lstStyle/>
-                    <a:p>
-                      <a:r>
-                        <a:rPr lang="en-US" sz="2300" dirty="0"/>
-                        <a:t>7</a:t>
-                      </a:r>
-                    </a:p>
-                  </a:txBody>
-                  <a:tcPr marL="119067" marR="119067" marT="59534" marB="59534"/>
-                </a:tc>
-                <a:tc>
-                  <a:txBody>
-                    <a:bodyPr/>
-                    <a:lstStyle/>
-                    <a:p>
-                      <a:r>
-                        <a:rPr lang="en-US" sz="2300"/>
-                        <a:t>0.48</a:t>
-                      </a:r>
-                      <a:endParaRPr lang="en-US" sz="2300" dirty="0"/>
-                    </a:p>
-                  </a:txBody>
-                  <a:tcPr marL="119067" marR="119067" marT="59534" marB="59534"/>
-                </a:tc>
-                <a:tc>
-                  <a:txBody>
-                    <a:bodyPr/>
-                    <a:lstStyle/>
-                    <a:p>
-                      <a:r>
-                        <a:rPr lang="en-US" sz="2300" dirty="0"/>
-                        <a:t>Spam</a:t>
-                      </a:r>
-                    </a:p>
-                  </a:txBody>
-                  <a:tcPr marL="119067" marR="119067" marT="59534" marB="59534"/>
-                </a:tc>
-                <a:extLst>
-                  <a:ext uri="{0D108BD9-81ED-4DB2-BD59-A6C34878D82A}">
-                    <a16:rowId xmlns:a16="http://schemas.microsoft.com/office/drawing/2014/main" val="10005"/>
-                  </a:ext>
-                </a:extLst>
-              </a:tr>
-              <a:tr h="482884">
-                <a:tc>
-                  <a:txBody>
-                    <a:bodyPr/>
-                    <a:lstStyle/>
-                    <a:p>
-                      <a:r>
-                        <a:rPr lang="en-US" sz="2300" dirty="0"/>
-                        <a:t>3</a:t>
-                      </a:r>
-                    </a:p>
-                  </a:txBody>
-                  <a:tcPr marL="119067" marR="119067" marT="59534" marB="59534"/>
-                </a:tc>
-                <a:tc>
-                  <a:txBody>
-                    <a:bodyPr/>
-                    <a:lstStyle/>
-                    <a:p>
-                      <a:r>
-                        <a:rPr lang="en-US" sz="2300" dirty="0"/>
-                        <a:t>0.22</a:t>
-                      </a:r>
-                    </a:p>
-                  </a:txBody>
-                  <a:tcPr marL="119067" marR="119067" marT="59534" marB="59534"/>
-                </a:tc>
-                <a:tc>
-                  <a:txBody>
-                    <a:bodyPr/>
-                    <a:lstStyle/>
-                    <a:p>
-                      <a:r>
-                        <a:rPr lang="en-US" sz="2300" dirty="0"/>
-                        <a:t>Ham</a:t>
-                      </a:r>
-                    </a:p>
-                  </a:txBody>
-                  <a:tcPr marL="119067" marR="119067" marT="59534" marB="59534"/>
-                </a:tc>
-                <a:extLst>
-                  <a:ext uri="{0D108BD9-81ED-4DB2-BD59-A6C34878D82A}">
-                    <a16:rowId xmlns:a16="http://schemas.microsoft.com/office/drawing/2014/main" val="10006"/>
-                  </a:ext>
-                </a:extLst>
-              </a:tr>
-              <a:tr h="482884">
-                <a:tc>
-                  <a:txBody>
-                    <a:bodyPr/>
-                    <a:lstStyle/>
-                    <a:p>
-                      <a:r>
-                        <a:rPr lang="en-US" sz="2300" dirty="0"/>
-                        <a:t>4</a:t>
-                      </a:r>
-                    </a:p>
-                  </a:txBody>
-                  <a:tcPr marL="119067" marR="119067" marT="59534" marB="59534"/>
-                </a:tc>
-                <a:tc>
-                  <a:txBody>
-                    <a:bodyPr/>
-                    <a:lstStyle/>
-                    <a:p>
-                      <a:r>
-                        <a:rPr lang="en-US" sz="2300" dirty="0"/>
-                        <a:t>0.10</a:t>
-                      </a:r>
-                    </a:p>
-                  </a:txBody>
-                  <a:tcPr marL="119067" marR="119067" marT="59534" marB="59534"/>
-                </a:tc>
-                <a:tc>
-                  <a:txBody>
-                    <a:bodyPr/>
-                    <a:lstStyle/>
-                    <a:p>
-                      <a:r>
-                        <a:rPr lang="en-US" sz="2300" dirty="0"/>
-                        <a:t>Ham</a:t>
-                      </a:r>
-                    </a:p>
-                  </a:txBody>
-                  <a:tcPr marL="119067" marR="119067" marT="59534" marB="59534"/>
-                </a:tc>
-                <a:extLst>
-                  <a:ext uri="{0D108BD9-81ED-4DB2-BD59-A6C34878D82A}">
-                    <a16:rowId xmlns:a16="http://schemas.microsoft.com/office/drawing/2014/main" val="10007"/>
-                  </a:ext>
-                </a:extLst>
-              </a:tr>
-              <a:tr h="482884">
-                <a:tc>
-                  <a:txBody>
-                    <a:bodyPr/>
-                    <a:lstStyle/>
-                    <a:p>
-                      <a:r>
-                        <a:rPr lang="en-US" sz="2300" dirty="0"/>
-                        <a:t>6</a:t>
-                      </a:r>
-                    </a:p>
-                  </a:txBody>
-                  <a:tcPr marL="119067" marR="119067" marT="59534" marB="59534"/>
-                </a:tc>
-                <a:tc>
-                  <a:txBody>
-                    <a:bodyPr/>
-                    <a:lstStyle/>
-                    <a:p>
-                      <a:r>
-                        <a:rPr lang="en-US" sz="2300" dirty="0"/>
-                        <a:t>0.02</a:t>
-                      </a:r>
-                    </a:p>
-                  </a:txBody>
-                  <a:tcPr marL="119067" marR="119067" marT="59534" marB="59534"/>
-                </a:tc>
-                <a:tc>
-                  <a:txBody>
-                    <a:bodyPr/>
-                    <a:lstStyle/>
-                    <a:p>
-                      <a:r>
-                        <a:rPr lang="en-US" sz="2300" dirty="0"/>
-                        <a:t>Ham</a:t>
-                      </a:r>
-                    </a:p>
-                  </a:txBody>
-                  <a:tcPr marL="119067" marR="119067" marT="59534" marB="59534"/>
-                </a:tc>
-                <a:extLst>
-                  <a:ext uri="{0D108BD9-81ED-4DB2-BD59-A6C34878D82A}">
-                    <a16:rowId xmlns:a16="http://schemas.microsoft.com/office/drawing/2014/main" val="10008"/>
-                  </a:ext>
-                </a:extLst>
-              </a:tr>
-            </a:tbl>
-          </a:graphicData>
-        </a:graphic>
-      </p:graphicFrame>
-      <p:graphicFrame>
-        <p:nvGraphicFramePr>
-          <p:cNvPr id="3" name="Chart 2"/>
-          <p:cNvGraphicFramePr/>
-          <p:nvPr>
-            <p:extLst/>
-          </p:nvPr>
-        </p:nvGraphicFramePr>
-        <p:xfrm>
-          <a:off x="5599887" y="1940659"/>
-          <a:ext cx="5556477" cy="4197675"/>
-        </p:xfrm>
-        <a:graphic>
-          <a:graphicData uri="http://schemas.openxmlformats.org/drawingml/2006/chart">
-            <c:chart xmlns:c="http://schemas.openxmlformats.org/drawingml/2006/chart" xmlns:r="http://schemas.openxmlformats.org/officeDocument/2006/relationships" r:id="rId3"/>
-          </a:graphicData>
-        </a:graphic>
-      </p:graphicFrame>
-      <p:sp>
-        <p:nvSpPr>
-          <p:cNvPr id="7" name="TextBox 6"/>
-          <p:cNvSpPr txBox="1"/>
-          <p:nvPr/>
-        </p:nvSpPr>
-        <p:spPr>
-          <a:xfrm>
-            <a:off x="8378124" y="6008793"/>
-            <a:ext cx="893005" cy="461665"/>
-          </a:xfrm>
-          <a:prstGeom prst="rect">
-            <a:avLst/>
-          </a:prstGeom>
-          <a:noFill/>
-        </p:spPr>
-        <p:txBody>
-          <a:bodyPr wrap="square" rtlCol="0">
-            <a:spAutoFit/>
-          </a:bodyPr>
-          <a:lstStyle/>
-          <a:p>
-            <a:pPr algn="l"/>
-            <a:r>
-              <a:rPr lang="en-US" sz="2400" dirty="0">
-                <a:latin typeface="PFDinTextCompPro-Italic"/>
-                <a:cs typeface="PFDinTextCompPro-Italic"/>
-              </a:rPr>
-              <a:t>FPR</a:t>
-            </a:r>
-          </a:p>
-        </p:txBody>
-      </p:sp>
-      <p:sp>
-        <p:nvSpPr>
-          <p:cNvPr id="9" name="TextBox 8"/>
-          <p:cNvSpPr txBox="1"/>
-          <p:nvPr/>
-        </p:nvSpPr>
-        <p:spPr>
-          <a:xfrm>
-            <a:off x="5004549" y="3329778"/>
-            <a:ext cx="893005" cy="461665"/>
-          </a:xfrm>
-          <a:prstGeom prst="rect">
-            <a:avLst/>
-          </a:prstGeom>
-          <a:noFill/>
-        </p:spPr>
-        <p:txBody>
-          <a:bodyPr wrap="square" rtlCol="0">
-            <a:spAutoFit/>
-          </a:bodyPr>
-          <a:lstStyle/>
-          <a:p>
-            <a:pPr algn="l"/>
-            <a:r>
-              <a:rPr lang="en-US" sz="2400" dirty="0">
-                <a:latin typeface="PFDinTextCompPro-Italic"/>
-                <a:cs typeface="PFDinTextCompPro-Italic"/>
-              </a:rPr>
-              <a:t>TPR</a:t>
-            </a:r>
-          </a:p>
-        </p:txBody>
-      </p:sp>
-      <p:sp>
-        <p:nvSpPr>
-          <p:cNvPr id="11" name="Title 1">
-            <a:extLst>
-              <a:ext uri="{FF2B5EF4-FFF2-40B4-BE49-F238E27FC236}">
-                <a16:creationId xmlns:a16="http://schemas.microsoft.com/office/drawing/2014/main" id="{278B0ED0-5593-DA49-A9B8-9B7A45F4DA3C}"/>
-              </a:ext>
-            </a:extLst>
-          </p:cNvPr>
-          <p:cNvSpPr txBox="1">
-            <a:spLocks/>
-          </p:cNvSpPr>
-          <p:nvPr/>
-        </p:nvSpPr>
-        <p:spPr>
-          <a:xfrm>
-            <a:off x="838200" y="365125"/>
-            <a:ext cx="10515600" cy="1325563"/>
-          </a:xfrm>
-          <a:prstGeom prst="rect">
-            <a:avLst/>
-          </a:prstGeom>
-        </p:spPr>
-        <p:txBody>
-          <a:bodyPr vert="horz" lIns="0" tIns="32914" rIns="65828" bIns="32914" rtlCol="0" anchor="ctr">
-            <a:normAutofit/>
-          </a:bodyPr>
-          <a:lstStyle>
-            <a:lvl1pPr algn="l" defTabSz="914400" rtl="0" eaLnBrk="1" latinLnBrk="0" hangingPunct="1">
-              <a:lnSpc>
-                <a:spcPts val="4686"/>
-              </a:lnSpc>
-              <a:spcBef>
-                <a:spcPct val="0"/>
-              </a:spcBef>
-              <a:buNone/>
-              <a:defRPr sz="5078" b="1" kern="1200" cap="all" baseline="0">
-                <a:solidFill>
-                  <a:schemeClr val="tx1"/>
-                </a:solidFill>
-                <a:latin typeface="+mj-lt"/>
-                <a:ea typeface="+mj-ea"/>
-                <a:cs typeface="+mj-cs"/>
-              </a:defRPr>
-            </a:lvl1pPr>
-          </a:lstStyle>
-          <a:p>
-            <a:r>
-              <a:rPr lang="en-US" sz="4000" b="0" cap="none" dirty="0"/>
-              <a:t>ROC Curve</a:t>
-            </a:r>
-          </a:p>
-        </p:txBody>
-      </p:sp>
-    </p:spTree>
-    <p:extLst>
-      <p:ext uri="{BB962C8B-B14F-4D97-AF65-F5344CB8AC3E}">
-        <p14:creationId xmlns:p14="http://schemas.microsoft.com/office/powerpoint/2010/main" val="2540328064"/>
-      </p:ext>
-    </p:extLst>
-  </p:cSld>
-  <p:clrMapOvr>
-    <a:masterClrMapping/>
-  </p:clrMapOvr>
-  <p:transition/>
 </p:sld>
 </file>
 
